--- a/银行业目前使用云计算规范和政策梳理.pptx
+++ b/银行业目前使用云计算规范和政策梳理.pptx
@@ -5,15 +5,16 @@
     <p:sldMasterId id="2147483660" r:id="rId1"/>
   </p:sldMasterIdLst>
   <p:notesMasterIdLst>
-    <p:notesMasterId r:id="rId8"/>
+    <p:notesMasterId r:id="rId9"/>
   </p:notesMasterIdLst>
   <p:sldIdLst>
     <p:sldId id="265" r:id="rId2"/>
-    <p:sldId id="305" r:id="rId3"/>
-    <p:sldId id="312" r:id="rId4"/>
-    <p:sldId id="306" r:id="rId5"/>
-    <p:sldId id="309" r:id="rId6"/>
-    <p:sldId id="269" r:id="rId7"/>
+    <p:sldId id="313" r:id="rId3"/>
+    <p:sldId id="305" r:id="rId4"/>
+    <p:sldId id="312" r:id="rId5"/>
+    <p:sldId id="306" r:id="rId6"/>
+    <p:sldId id="309" r:id="rId7"/>
+    <p:sldId id="269" r:id="rId8"/>
   </p:sldIdLst>
   <p:sldSz cx="9144000" cy="6858000" type="screen4x3"/>
   <p:notesSz cx="6797675" cy="9926638"/>
@@ -114,7 +115,7 @@
   </p:defaultTextStyle>
   <p:extLst>
     <p:ext uri="{EFAFB233-063F-42B5-8137-9DF3F51BA10A}">
-      <p15:sldGuideLst xmlns="" xmlns:p15="http://schemas.microsoft.com/office/powerpoint/2012/main">
+      <p15:sldGuideLst xmlns:p15="http://schemas.microsoft.com/office/powerpoint/2012/main" xmlns="">
         <p15:guide id="1" orient="horz" pos="2160">
           <p15:clr>
             <a:srgbClr val="A4A3A4"/>
@@ -383,7 +384,7 @@
     </p:spTree>
     <p:extLst>
       <p:ext uri="{BB962C8B-B14F-4D97-AF65-F5344CB8AC3E}">
-        <p14:creationId xmlns="" xmlns:p14="http://schemas.microsoft.com/office/powerpoint/2010/main" val="2179705202"/>
+        <p14:creationId xmlns:p14="http://schemas.microsoft.com/office/powerpoint/2010/main" xmlns="" val="2179705202"/>
       </p:ext>
     </p:extLst>
   </p:cSld>
@@ -558,7 +559,7 @@
     </p:spTree>
     <p:extLst>
       <p:ext uri="{BB962C8B-B14F-4D97-AF65-F5344CB8AC3E}">
-        <p14:creationId xmlns="" xmlns:p14="http://schemas.microsoft.com/office/powerpoint/2010/main" val="3763106733"/>
+        <p14:creationId xmlns:p14="http://schemas.microsoft.com/office/powerpoint/2010/main" xmlns="" val="3763106733"/>
       </p:ext>
     </p:extLst>
   </p:cSld>
@@ -634,7 +635,7 @@
             <a:fld id="{7324A235-9805-473E-B1EC-FAF5C1A40CDD}" type="slidenum">
               <a:rPr lang="zh-CN" altLang="en-US" smtClean="0"/>
               <a:pPr/>
-              <a:t>2</a:t>
+              <a:t>3</a:t>
             </a:fld>
             <a:endParaRPr lang="zh-CN" altLang="en-US"/>
           </a:p>
@@ -643,7 +644,7 @@
     </p:spTree>
     <p:extLst>
       <p:ext uri="{BB962C8B-B14F-4D97-AF65-F5344CB8AC3E}">
-        <p14:creationId xmlns="" xmlns:p14="http://schemas.microsoft.com/office/powerpoint/2010/main" val="1742498874"/>
+        <p14:creationId xmlns:p14="http://schemas.microsoft.com/office/powerpoint/2010/main" xmlns="" val="1742498874"/>
       </p:ext>
     </p:extLst>
   </p:cSld>
@@ -682,7 +683,7 @@
           <a:blip r:embed="rId2" cstate="print">
             <a:extLst>
               <a:ext uri="{28A0092B-C50C-407E-A947-70E740481C1C}">
-                <a14:useLocalDpi xmlns="" xmlns:a14="http://schemas.microsoft.com/office/drawing/2010/main" val="0"/>
+                <a14:useLocalDpi xmlns:a14="http://schemas.microsoft.com/office/drawing/2010/main" xmlns="" val="0"/>
               </a:ext>
             </a:extLst>
           </a:blip>
@@ -728,7 +729,7 @@
     </p:spTree>
     <p:extLst>
       <p:ext uri="{BB962C8B-B14F-4D97-AF65-F5344CB8AC3E}">
-        <p14:creationId xmlns="" xmlns:p14="http://schemas.microsoft.com/office/powerpoint/2010/main" val="2318776982"/>
+        <p14:creationId xmlns:p14="http://schemas.microsoft.com/office/powerpoint/2010/main" xmlns="" val="2318776982"/>
       </p:ext>
     </p:extLst>
   </p:cSld>
@@ -767,7 +768,7 @@
           <a:blip r:embed="rId2" cstate="print">
             <a:extLst>
               <a:ext uri="{28A0092B-C50C-407E-A947-70E740481C1C}">
-                <a14:useLocalDpi xmlns="" xmlns:a14="http://schemas.microsoft.com/office/drawing/2010/main" val="0"/>
+                <a14:useLocalDpi xmlns:a14="http://schemas.microsoft.com/office/drawing/2010/main" xmlns="" val="0"/>
               </a:ext>
             </a:extLst>
           </a:blip>
@@ -797,7 +798,7 @@
           <a:blip r:embed="rId3" cstate="print">
             <a:extLst>
               <a:ext uri="{28A0092B-C50C-407E-A947-70E740481C1C}">
-                <a14:useLocalDpi xmlns="" xmlns:a14="http://schemas.microsoft.com/office/drawing/2010/main" val="0"/>
+                <a14:useLocalDpi xmlns:a14="http://schemas.microsoft.com/office/drawing/2010/main" xmlns="" val="0"/>
               </a:ext>
             </a:extLst>
           </a:blip>
@@ -818,7 +819,7 @@
     </p:spTree>
     <p:extLst>
       <p:ext uri="{BB962C8B-B14F-4D97-AF65-F5344CB8AC3E}">
-        <p14:creationId xmlns="" xmlns:p14="http://schemas.microsoft.com/office/powerpoint/2010/main" val="1181690053"/>
+        <p14:creationId xmlns:p14="http://schemas.microsoft.com/office/powerpoint/2010/main" xmlns="" val="1181690053"/>
       </p:ext>
     </p:extLst>
   </p:cSld>
@@ -857,7 +858,7 @@
           <a:blip r:embed="rId2" cstate="print">
             <a:extLst>
               <a:ext uri="{28A0092B-C50C-407E-A947-70E740481C1C}">
-                <a14:useLocalDpi xmlns="" xmlns:a14="http://schemas.microsoft.com/office/drawing/2010/main" val="0"/>
+                <a14:useLocalDpi xmlns:a14="http://schemas.microsoft.com/office/drawing/2010/main" xmlns="" val="0"/>
               </a:ext>
             </a:extLst>
           </a:blip>
@@ -1762,7 +1763,7 @@
           <a:blip r:embed="rId3" cstate="print">
             <a:extLst>
               <a:ext uri="{28A0092B-C50C-407E-A947-70E740481C1C}">
-                <a14:useLocalDpi xmlns="" xmlns:a14="http://schemas.microsoft.com/office/drawing/2010/main" val="0"/>
+                <a14:useLocalDpi xmlns:a14="http://schemas.microsoft.com/office/drawing/2010/main" xmlns="" val="0"/>
               </a:ext>
             </a:extLst>
           </a:blip>
@@ -1907,7 +1908,7 @@
     </p:spTree>
     <p:extLst>
       <p:ext uri="{BB962C8B-B14F-4D97-AF65-F5344CB8AC3E}">
-        <p14:creationId xmlns="" xmlns:p14="http://schemas.microsoft.com/office/powerpoint/2010/main" val="545355425"/>
+        <p14:creationId xmlns:p14="http://schemas.microsoft.com/office/powerpoint/2010/main" xmlns="" val="545355425"/>
       </p:ext>
     </p:extLst>
   </p:cSld>
@@ -2184,7 +2185,7 @@
     </p:spTree>
     <p:extLst>
       <p:ext uri="{BB962C8B-B14F-4D97-AF65-F5344CB8AC3E}">
-        <p14:creationId xmlns="" xmlns:p14="http://schemas.microsoft.com/office/powerpoint/2010/main" val="782828372"/>
+        <p14:creationId xmlns:p14="http://schemas.microsoft.com/office/powerpoint/2010/main" xmlns="" val="782828372"/>
       </p:ext>
     </p:extLst>
   </p:cSld>
@@ -2223,7 +2224,7 @@
           <a:blip r:embed="rId2" cstate="print">
             <a:extLst>
               <a:ext uri="{28A0092B-C50C-407E-A947-70E740481C1C}">
-                <a14:useLocalDpi xmlns="" xmlns:a14="http://schemas.microsoft.com/office/drawing/2010/main" val="0"/>
+                <a14:useLocalDpi xmlns:a14="http://schemas.microsoft.com/office/drawing/2010/main" xmlns="" val="0"/>
               </a:ext>
             </a:extLst>
           </a:blip>
@@ -2244,7 +2245,7 @@
     </p:spTree>
     <p:extLst>
       <p:ext uri="{BB962C8B-B14F-4D97-AF65-F5344CB8AC3E}">
-        <p14:creationId xmlns="" xmlns:p14="http://schemas.microsoft.com/office/powerpoint/2010/main" val="3587265222"/>
+        <p14:creationId xmlns:p14="http://schemas.microsoft.com/office/powerpoint/2010/main" xmlns="" val="3587265222"/>
       </p:ext>
     </p:extLst>
   </p:cSld>
@@ -2290,7 +2291,7 @@
           <a:blip r:embed="rId2" cstate="print">
             <a:extLst>
               <a:ext uri="{28A0092B-C50C-407E-A947-70E740481C1C}">
-                <a14:useLocalDpi xmlns="" xmlns:a14="http://schemas.microsoft.com/office/drawing/2010/main" val="0"/>
+                <a14:useLocalDpi xmlns:a14="http://schemas.microsoft.com/office/drawing/2010/main" xmlns="" val="0"/>
               </a:ext>
             </a:extLst>
           </a:blip>
@@ -2311,7 +2312,7 @@
     </p:spTree>
     <p:extLst>
       <p:ext uri="{BB962C8B-B14F-4D97-AF65-F5344CB8AC3E}">
-        <p14:creationId xmlns="" xmlns:p14="http://schemas.microsoft.com/office/powerpoint/2010/main" val="999956234"/>
+        <p14:creationId xmlns:p14="http://schemas.microsoft.com/office/powerpoint/2010/main" xmlns="" val="999956234"/>
       </p:ext>
     </p:extLst>
   </p:cSld>
@@ -2834,7 +2835,7 @@
     </p:spTree>
     <p:extLst>
       <p:ext uri="{BB962C8B-B14F-4D97-AF65-F5344CB8AC3E}">
-        <p14:creationId xmlns="" xmlns:p14="http://schemas.microsoft.com/office/powerpoint/2010/main" val="3070428475"/>
+        <p14:creationId xmlns:p14="http://schemas.microsoft.com/office/powerpoint/2010/main" xmlns="" val="3070428475"/>
       </p:ext>
     </p:extLst>
   </p:cSld>
@@ -3110,7 +3111,7 @@
     </p:spTree>
     <p:extLst>
       <p:ext uri="{BB962C8B-B14F-4D97-AF65-F5344CB8AC3E}">
-        <p14:creationId xmlns="" xmlns:p14="http://schemas.microsoft.com/office/powerpoint/2010/main" val="650855124"/>
+        <p14:creationId xmlns:p14="http://schemas.microsoft.com/office/powerpoint/2010/main" xmlns="" val="650855124"/>
       </p:ext>
     </p:extLst>
   </p:cSld>
@@ -3527,14 +3528,7 @@
                 <a:latin typeface="微软雅黑" panose="020B0503020204020204" pitchFamily="34" charset="-122"/>
                 <a:ea typeface="微软雅黑" panose="020B0503020204020204" pitchFamily="34" charset="-122"/>
               </a:rPr>
-              <a:t>陈文</a:t>
-            </a:r>
-            <a:r>
-              <a:rPr kumimoji="1" lang="zh-CN" altLang="en-US" sz="2400" dirty="0" smtClean="0">
-                <a:latin typeface="微软雅黑" panose="020B0503020204020204" pitchFamily="34" charset="-122"/>
-                <a:ea typeface="微软雅黑" panose="020B0503020204020204" pitchFamily="34" charset="-122"/>
-              </a:rPr>
-              <a:t>弢</a:t>
+              <a:t>陈文弢</a:t>
             </a:r>
             <a:endParaRPr kumimoji="1" lang="en-US" altLang="zh-CN" sz="2400" smtClean="0">
               <a:latin typeface="微软雅黑" panose="020B0503020204020204" pitchFamily="34" charset="-122"/>
@@ -3561,7 +3555,7 @@
     </p:spTree>
     <p:extLst>
       <p:ext uri="{BB962C8B-B14F-4D97-AF65-F5344CB8AC3E}">
-        <p14:creationId xmlns="" xmlns:p14="http://schemas.microsoft.com/office/powerpoint/2010/main" val="1684621290"/>
+        <p14:creationId xmlns:p14="http://schemas.microsoft.com/office/powerpoint/2010/main" xmlns="" val="1684621290"/>
       </p:ext>
     </p:extLst>
   </p:cSld>
@@ -3579,6 +3573,75 @@
 </file>
 
 <file path=ppt/slides/slide2.xml><?xml version="1.0" encoding="utf-8"?>
+<p:sld xmlns:a="http://schemas.openxmlformats.org/drawingml/2006/main" xmlns:r="http://schemas.openxmlformats.org/officeDocument/2006/relationships" xmlns:p="http://schemas.openxmlformats.org/presentationml/2006/main">
+  <p:cSld>
+    <p:spTree>
+      <p:nvGrpSpPr>
+        <p:cNvPr id="1" name=""/>
+        <p:cNvGrpSpPr/>
+        <p:nvPr/>
+      </p:nvGrpSpPr>
+      <p:grpSpPr>
+        <a:xfrm>
+          <a:off x="0" y="0"/>
+          <a:ext cx="0" cy="0"/>
+          <a:chOff x="0" y="0"/>
+          <a:chExt cx="0" cy="0"/>
+        </a:xfrm>
+      </p:grpSpPr>
+      <p:sp>
+        <p:nvSpPr>
+          <p:cNvPr id="2" name="标题 1"/>
+          <p:cNvSpPr>
+            <a:spLocks noGrp="1"/>
+          </p:cNvSpPr>
+          <p:nvPr>
+            <p:ph type="title"/>
+          </p:nvPr>
+        </p:nvSpPr>
+        <p:spPr/>
+        <p:txBody>
+          <a:bodyPr/>
+          <a:lstStyle/>
+          <a:p>
+            <a:endParaRPr lang="zh-CN" altLang="en-US"/>
+          </a:p>
+        </p:txBody>
+      </p:sp>
+      <p:pic>
+        <p:nvPicPr>
+          <p:cNvPr id="5" name="图片 4" descr="1122282884.jpg"/>
+          <p:cNvPicPr>
+            <a:picLocks noChangeAspect="1"/>
+          </p:cNvPicPr>
+          <p:nvPr/>
+        </p:nvPicPr>
+        <p:blipFill>
+          <a:blip r:embed="rId2"/>
+          <a:stretch>
+            <a:fillRect/>
+          </a:stretch>
+        </p:blipFill>
+        <p:spPr>
+          <a:xfrm>
+            <a:off x="333375" y="2781300"/>
+            <a:ext cx="8477250" cy="1295400"/>
+          </a:xfrm>
+          <a:prstGeom prst="rect">
+            <a:avLst/>
+          </a:prstGeom>
+        </p:spPr>
+      </p:pic>
+    </p:spTree>
+  </p:cSld>
+  <p:clrMapOvr>
+    <a:masterClrMapping/>
+  </p:clrMapOvr>
+  <p:transition spd="slow" advClick="0"/>
+</p:sld>
+</file>
+
+<file path=ppt/slides/slide3.xml><?xml version="1.0" encoding="utf-8"?>
 <p:sld xmlns:a="http://schemas.openxmlformats.org/drawingml/2006/main" xmlns:r="http://schemas.openxmlformats.org/officeDocument/2006/relationships" xmlns:p="http://schemas.openxmlformats.org/presentationml/2006/main">
   <p:cSld>
     <p:spTree>
@@ -4443,7 +4506,7 @@
 </p:sld>
 </file>
 
-<file path=ppt/slides/slide3.xml><?xml version="1.0" encoding="utf-8"?>
+<file path=ppt/slides/slide4.xml><?xml version="1.0" encoding="utf-8"?>
 <p:sld xmlns:a="http://schemas.openxmlformats.org/drawingml/2006/main" xmlns:r="http://schemas.openxmlformats.org/officeDocument/2006/relationships" xmlns:p="http://schemas.openxmlformats.org/presentationml/2006/main">
   <p:cSld>
     <p:spTree>
@@ -4503,7 +4566,7 @@
           <a:blip r:embed="rId2">
             <a:extLst>
               <a:ext uri="{28A0092B-C50C-407E-A947-70E740481C1C}">
-                <a14:useLocalDpi xmlns="" xmlns:a14="http://schemas.microsoft.com/office/drawing/2010/main" val="0"/>
+                <a14:useLocalDpi xmlns:a14="http://schemas.microsoft.com/office/drawing/2010/main" xmlns="" val="0"/>
               </a:ext>
             </a:extLst>
           </a:blip>
@@ -4524,7 +4587,7 @@
     </p:spTree>
     <p:extLst>
       <p:ext uri="{BB962C8B-B14F-4D97-AF65-F5344CB8AC3E}">
-        <p14:creationId xmlns="" xmlns:p14="http://schemas.microsoft.com/office/powerpoint/2010/main" val="1600407901"/>
+        <p14:creationId xmlns:p14="http://schemas.microsoft.com/office/powerpoint/2010/main" xmlns="" val="1600407901"/>
       </p:ext>
     </p:extLst>
   </p:cSld>
@@ -4541,7 +4604,7 @@
 </p:sld>
 </file>
 
-<file path=ppt/slides/slide4.xml><?xml version="1.0" encoding="utf-8"?>
+<file path=ppt/slides/slide5.xml><?xml version="1.0" encoding="utf-8"?>
 <p:sld xmlns:a="http://schemas.openxmlformats.org/drawingml/2006/main" xmlns:r="http://schemas.openxmlformats.org/officeDocument/2006/relationships" xmlns:p="http://schemas.openxmlformats.org/presentationml/2006/main">
   <p:cSld>
     <p:spTree>
@@ -5141,7 +5204,7 @@
               <a:effectLst/>
               <a:extLst>
                 <a:ext uri="{C572A759-6A51-4108-AA02-DFA0A04FC94B}">
-                  <ma14:wrappingTextBoxFlag xmlns="" xmlns:ma14="http://schemas.microsoft.com/office/mac/drawingml/2011/main" val="1"/>
+                  <ma14:wrappingTextBoxFlag xmlns:ma14="http://schemas.microsoft.com/office/mac/drawingml/2011/main" xmlns="" val="1"/>
                 </a:ext>
               </a:extLst>
             </p:spPr>
@@ -5413,7 +5476,7 @@
               <a:effectLst/>
               <a:extLst>
                 <a:ext uri="{C572A759-6A51-4108-AA02-DFA0A04FC94B}">
-                  <ma14:wrappingTextBoxFlag xmlns="" xmlns:ma14="http://schemas.microsoft.com/office/mac/drawingml/2011/main" val="1"/>
+                  <ma14:wrappingTextBoxFlag xmlns:ma14="http://schemas.microsoft.com/office/mac/drawingml/2011/main" xmlns="" val="1"/>
                 </a:ext>
               </a:extLst>
             </p:spPr>
@@ -5656,7 +5719,7 @@
               <a:effectLst/>
               <a:extLst>
                 <a:ext uri="{C572A759-6A51-4108-AA02-DFA0A04FC94B}">
-                  <ma14:wrappingTextBoxFlag xmlns="" xmlns:ma14="http://schemas.microsoft.com/office/mac/drawingml/2011/main" val="1"/>
+                  <ma14:wrappingTextBoxFlag xmlns:ma14="http://schemas.microsoft.com/office/mac/drawingml/2011/main" xmlns="" val="1"/>
                 </a:ext>
               </a:extLst>
             </p:spPr>
@@ -5981,7 +6044,7 @@
           <a:effectLst/>
           <a:extLst>
             <a:ext uri="{C572A759-6A51-4108-AA02-DFA0A04FC94B}">
-              <ma14:wrappingTextBoxFlag xmlns="" xmlns:ma14="http://schemas.microsoft.com/office/mac/drawingml/2011/main" val="1"/>
+              <ma14:wrappingTextBoxFlag xmlns:ma14="http://schemas.microsoft.com/office/mac/drawingml/2011/main" xmlns="" val="1"/>
             </a:ext>
           </a:extLst>
         </p:spPr>
@@ -6159,7 +6222,7 @@
             <a:effectLst/>
             <a:extLst>
               <a:ext uri="{C572A759-6A51-4108-AA02-DFA0A04FC94B}">
-                <ma14:wrappingTextBoxFlag xmlns="" xmlns:ma14="http://schemas.microsoft.com/office/mac/drawingml/2011/main" val="1"/>
+                <ma14:wrappingTextBoxFlag xmlns:ma14="http://schemas.microsoft.com/office/mac/drawingml/2011/main" xmlns="" val="1"/>
               </a:ext>
             </a:extLst>
           </p:spPr>
@@ -6304,7 +6367,7 @@
             <a:effectLst/>
             <a:extLst>
               <a:ext uri="{C572A759-6A51-4108-AA02-DFA0A04FC94B}">
-                <ma14:wrappingTextBoxFlag xmlns="" xmlns:ma14="http://schemas.microsoft.com/office/mac/drawingml/2011/main" val="1"/>
+                <ma14:wrappingTextBoxFlag xmlns:ma14="http://schemas.microsoft.com/office/mac/drawingml/2011/main" xmlns="" val="1"/>
               </a:ext>
             </a:extLst>
           </p:spPr>
@@ -6449,7 +6512,7 @@
             <a:effectLst/>
             <a:extLst>
               <a:ext uri="{C572A759-6A51-4108-AA02-DFA0A04FC94B}">
-                <ma14:wrappingTextBoxFlag xmlns="" xmlns:ma14="http://schemas.microsoft.com/office/mac/drawingml/2011/main" val="1"/>
+                <ma14:wrappingTextBoxFlag xmlns:ma14="http://schemas.microsoft.com/office/mac/drawingml/2011/main" xmlns="" val="1"/>
               </a:ext>
             </a:extLst>
           </p:spPr>
@@ -6691,7 +6754,7 @@
     </p:spTree>
     <p:extLst>
       <p:ext uri="{BB962C8B-B14F-4D97-AF65-F5344CB8AC3E}">
-        <p14:creationId xmlns="" xmlns:p14="http://schemas.microsoft.com/office/powerpoint/2010/main" val="267847275"/>
+        <p14:creationId xmlns:p14="http://schemas.microsoft.com/office/powerpoint/2010/main" xmlns="" val="267847275"/>
       </p:ext>
     </p:extLst>
   </p:cSld>
@@ -6708,7 +6771,7 @@
 </p:sld>
 </file>
 
-<file path=ppt/slides/slide5.xml><?xml version="1.0" encoding="utf-8"?>
+<file path=ppt/slides/slide6.xml><?xml version="1.0" encoding="utf-8"?>
 <p:sld xmlns:a="http://schemas.openxmlformats.org/drawingml/2006/main" xmlns:r="http://schemas.openxmlformats.org/officeDocument/2006/relationships" xmlns:p="http://schemas.openxmlformats.org/presentationml/2006/main">
   <p:cSld>
     <p:spTree>
@@ -7164,7 +7227,7 @@
           </a:ln>
           <a:extLst>
             <a:ext uri="{C572A759-6A51-4108-AA02-DFA0A04FC94B}">
-              <ma14:wrappingTextBoxFlag xmlns="" xmlns:ma14="http://schemas.microsoft.com/office/mac/drawingml/2011/main" val="1"/>
+              <ma14:wrappingTextBoxFlag xmlns:ma14="http://schemas.microsoft.com/office/mac/drawingml/2011/main" xmlns="" val="1"/>
             </a:ext>
           </a:extLst>
         </p:spPr>
@@ -7306,7 +7369,7 @@
             </a:ln>
             <a:extLst>
               <a:ext uri="{C572A759-6A51-4108-AA02-DFA0A04FC94B}">
-                <ma14:wrappingTextBoxFlag xmlns="" xmlns:ma14="http://schemas.microsoft.com/office/mac/drawingml/2011/main" val="1"/>
+                <ma14:wrappingTextBoxFlag xmlns:ma14="http://schemas.microsoft.com/office/mac/drawingml/2011/main" xmlns="" val="1"/>
               </a:ext>
             </a:extLst>
           </p:spPr>
@@ -7449,7 +7512,7 @@
             </a:ln>
             <a:extLst>
               <a:ext uri="{C572A759-6A51-4108-AA02-DFA0A04FC94B}">
-                <ma14:wrappingTextBoxFlag xmlns="" xmlns:ma14="http://schemas.microsoft.com/office/mac/drawingml/2011/main" val="1"/>
+                <ma14:wrappingTextBoxFlag xmlns:ma14="http://schemas.microsoft.com/office/mac/drawingml/2011/main" xmlns="" val="1"/>
               </a:ext>
             </a:extLst>
           </p:spPr>
@@ -7560,7 +7623,7 @@
             </a:ln>
             <a:extLst>
               <a:ext uri="{C572A759-6A51-4108-AA02-DFA0A04FC94B}">
-                <ma14:wrappingTextBoxFlag xmlns="" xmlns:ma14="http://schemas.microsoft.com/office/mac/drawingml/2011/main" val="1"/>
+                <ma14:wrappingTextBoxFlag xmlns:ma14="http://schemas.microsoft.com/office/mac/drawingml/2011/main" xmlns="" val="1"/>
               </a:ext>
             </a:extLst>
           </p:spPr>
@@ -7671,7 +7734,7 @@
             </a:ln>
             <a:extLst>
               <a:ext uri="{C572A759-6A51-4108-AA02-DFA0A04FC94B}">
-                <ma14:wrappingTextBoxFlag xmlns="" xmlns:ma14="http://schemas.microsoft.com/office/mac/drawingml/2011/main" val="1"/>
+                <ma14:wrappingTextBoxFlag xmlns:ma14="http://schemas.microsoft.com/office/mac/drawingml/2011/main" xmlns="" val="1"/>
               </a:ext>
             </a:extLst>
           </p:spPr>
@@ -8566,7 +8629,7 @@
     </p:spTree>
     <p:extLst>
       <p:ext uri="{BB962C8B-B14F-4D97-AF65-F5344CB8AC3E}">
-        <p14:creationId xmlns="" xmlns:p14="http://schemas.microsoft.com/office/powerpoint/2010/main" val="2020045863"/>
+        <p14:creationId xmlns:p14="http://schemas.microsoft.com/office/powerpoint/2010/main" xmlns="" val="2020045863"/>
       </p:ext>
     </p:extLst>
   </p:cSld>
@@ -8583,7 +8646,7 @@
 </p:sld>
 </file>
 
-<file path=ppt/slides/slide6.xml><?xml version="1.0" encoding="utf-8"?>
+<file path=ppt/slides/slide7.xml><?xml version="1.0" encoding="utf-8"?>
 <p:sld xmlns:a="http://schemas.openxmlformats.org/drawingml/2006/main" xmlns:r="http://schemas.openxmlformats.org/officeDocument/2006/relationships" xmlns:p="http://schemas.openxmlformats.org/presentationml/2006/main">
   <p:cSld>
     <p:spTree>
@@ -8658,7 +8721,7 @@
     </p:spTree>
     <p:extLst>
       <p:ext uri="{BB962C8B-B14F-4D97-AF65-F5344CB8AC3E}">
-        <p14:creationId xmlns="" xmlns:p14="http://schemas.microsoft.com/office/powerpoint/2010/main" val="3100460940"/>
+        <p14:creationId xmlns:p14="http://schemas.microsoft.com/office/powerpoint/2010/main" xmlns="" val="3100460940"/>
       </p:ext>
     </p:extLst>
   </p:cSld>
@@ -8972,7 +9035,7 @@
   <a:extraClrSchemeLst/>
   <a:extLst>
     <a:ext uri="{05A4C25C-085E-4340-85A3-A5531E510DB2}">
-      <thm15:themeFamily xmlns="" xmlns:thm15="http://schemas.microsoft.com/office/thememl/2012/main" name="云计算开源产业联盟v1 _EN" id="{ABB5BFDA-258A-4C40-87E4-F53D52C4E1B9}" vid="{A81E546A-26AE-EE40-AD01-A416A955DA84}"/>
+      <thm15:themeFamily xmlns:thm15="http://schemas.microsoft.com/office/thememl/2012/main" xmlns="" name="云计算开源产业联盟v1 _EN" id="{ABB5BFDA-258A-4C40-87E4-F53D52C4E1B9}" vid="{A81E546A-26AE-EE40-AD01-A416A955DA84}"/>
     </a:ext>
   </a:extLst>
 </a:theme>
@@ -9233,7 +9296,7 @@
   <a:extraClrSchemeLst/>
   <a:extLst>
     <a:ext uri="{05A4C25C-085E-4340-85A3-A5531E510DB2}">
-      <thm15:themeFamily xmlns="" xmlns:thm15="http://schemas.microsoft.com/office/thememl/2012/main" name="Office Theme" id="{62F939B6-93AF-4DB8-9C6B-D6C7DFDC589F}" vid="{4A3C46E8-61CC-4603-A589-7422A47A8E4A}"/>
+      <thm15:themeFamily xmlns:thm15="http://schemas.microsoft.com/office/thememl/2012/main" xmlns="" name="Office Theme" id="{62F939B6-93AF-4DB8-9C6B-D6C7DFDC589F}" vid="{4A3C46E8-61CC-4603-A589-7422A47A8E4A}"/>
     </a:ext>
   </a:extLst>
 </a:theme>
